--- a/mipt-mips/2019/L1/Lecture 1 - Layers of Computer Architecture. ISA and uArch.pptx
+++ b/mipt-mips/2019/L1/Lecture 1 - Layers of Computer Architecture. ISA and uArch.pptx
@@ -231,7 +231,7 @@
           <a:p>
             <a:fld id="{BF8A01DF-72FC-44AC-AB17-13BCF95A9755}" type="datetimeFigureOut">
               <a:rPr lang="ru-RU" smtClean="0"/>
-              <a:t>16.09.2019</a:t>
+              <a:t>13.10.2019</a:t>
             </a:fld>
             <a:endParaRPr lang="ru-RU"/>
           </a:p>
@@ -1586,6 +1586,13 @@
   <p:clrMapOvr>
     <a:masterClrMapping/>
   </p:clrMapOvr>
+  <p:timing>
+    <p:tnLst>
+      <p:par>
+        <p:cTn id="1" dur="indefinite" restart="never" nodeType="tmRoot"/>
+      </p:par>
+    </p:tnLst>
+  </p:timing>
 </p:sldLayout>
 </file>
 
@@ -1697,9 +1704,10 @@
           <a:lstStyle/>
           <a:p>
             <a:r>
-              <a:rPr lang="ru-RU"/>
-              <a:t>19.09.2018</a:t>
-            </a:r>
+              <a:rPr lang="ru-RU" smtClean="0"/>
+              <a:t>16.09.2019</a:t>
+            </a:r>
+            <a:endParaRPr lang="ru-RU"/>
           </a:p>
         </p:txBody>
       </p:sp>
@@ -1719,8 +1727,8 @@
           <a:lstStyle/>
           <a:p>
             <a:r>
-              <a:rPr lang="en-US"/>
-              <a:t>MIPT-MIPS 2018</a:t>
+              <a:rPr lang="en-US" smtClean="0"/>
+              <a:t>MIPT-V 2019</a:t>
             </a:r>
             <a:endParaRPr lang="ru-RU"/>
           </a:p>
@@ -2062,9 +2070,10 @@
           <a:lstStyle/>
           <a:p>
             <a:r>
-              <a:rPr lang="ru-RU"/>
-              <a:t>19.09.2018</a:t>
-            </a:r>
+              <a:rPr lang="ru-RU" smtClean="0"/>
+              <a:t>16.09.2019</a:t>
+            </a:r>
+            <a:endParaRPr lang="ru-RU"/>
           </a:p>
         </p:txBody>
       </p:sp>
@@ -2084,8 +2093,8 @@
           <a:lstStyle/>
           <a:p>
             <a:r>
-              <a:rPr lang="en-US"/>
-              <a:t>MIPT-MIPS 2018</a:t>
+              <a:rPr lang="en-US" smtClean="0"/>
+              <a:t>MIPT-V 2019</a:t>
             </a:r>
             <a:endParaRPr lang="ru-RU"/>
           </a:p>
@@ -2821,9 +2830,10 @@
           <a:lstStyle/>
           <a:p>
             <a:r>
-              <a:rPr lang="ru-RU"/>
-              <a:t>19.09.2018</a:t>
-            </a:r>
+              <a:rPr lang="ru-RU" smtClean="0"/>
+              <a:t>16.09.2019</a:t>
+            </a:r>
+            <a:endParaRPr lang="ru-RU" dirty="0"/>
           </a:p>
         </p:txBody>
       </p:sp>
@@ -2843,10 +2853,10 @@
           <a:lstStyle/>
           <a:p>
             <a:r>
-              <a:rPr lang="en-US"/>
-              <a:t>MIPT-MIPS 2018</a:t>
-            </a:r>
-            <a:endParaRPr lang="ru-RU"/>
+              <a:rPr lang="en-US" dirty="0" smtClean="0"/>
+              <a:t>MIPT-V 2019</a:t>
+            </a:r>
+            <a:endParaRPr lang="ru-RU" dirty="0"/>
           </a:p>
         </p:txBody>
       </p:sp>
@@ -3065,6 +3075,13 @@
   <p:clrMapOvr>
     <a:masterClrMapping/>
   </p:clrMapOvr>
+  <p:timing>
+    <p:tnLst>
+      <p:par>
+        <p:cTn id="1" dur="indefinite" restart="never" nodeType="tmRoot"/>
+      </p:par>
+    </p:tnLst>
+  </p:timing>
 </p:sldLayout>
 </file>
 
@@ -3252,9 +3269,10 @@
           <a:lstStyle/>
           <a:p>
             <a:r>
-              <a:rPr lang="ru-RU"/>
-              <a:t>19.09.2018</a:t>
-            </a:r>
+              <a:rPr lang="ru-RU" smtClean="0"/>
+              <a:t>16.09.2019</a:t>
+            </a:r>
+            <a:endParaRPr lang="ru-RU"/>
           </a:p>
         </p:txBody>
       </p:sp>
@@ -3274,8 +3292,8 @@
           <a:lstStyle/>
           <a:p>
             <a:r>
-              <a:rPr lang="en-US"/>
-              <a:t>MIPT-MIPS 2018</a:t>
+              <a:rPr lang="en-US" smtClean="0"/>
+              <a:t>MIPT-V 2019</a:t>
             </a:r>
             <a:endParaRPr lang="ru-RU"/>
           </a:p>
@@ -3448,6 +3466,13 @@
   <p:clrMapOvr>
     <a:masterClrMapping/>
   </p:clrMapOvr>
+  <p:timing>
+    <p:tnLst>
+      <p:par>
+        <p:cTn id="1" dur="indefinite" restart="never" nodeType="tmRoot"/>
+      </p:par>
+    </p:tnLst>
+  </p:timing>
 </p:sldLayout>
 </file>
 
@@ -3621,9 +3646,10 @@
           <a:lstStyle/>
           <a:p>
             <a:r>
-              <a:rPr lang="ru-RU"/>
-              <a:t>19.09.2018</a:t>
-            </a:r>
+              <a:rPr lang="ru-RU" smtClean="0"/>
+              <a:t>16.09.2019</a:t>
+            </a:r>
+            <a:endParaRPr lang="ru-RU"/>
           </a:p>
         </p:txBody>
       </p:sp>
@@ -3643,8 +3669,8 @@
           <a:lstStyle/>
           <a:p>
             <a:r>
-              <a:rPr lang="en-US"/>
-              <a:t>MIPT-MIPS 2018</a:t>
+              <a:rPr lang="en-US" smtClean="0"/>
+              <a:t>MIPT-V 2019</a:t>
             </a:r>
             <a:endParaRPr lang="ru-RU"/>
           </a:p>
@@ -3865,6 +3891,13 @@
   <p:clrMapOvr>
     <a:masterClrMapping/>
   </p:clrMapOvr>
+  <p:timing>
+    <p:tnLst>
+      <p:par>
+        <p:cTn id="1" dur="indefinite" restart="never" nodeType="tmRoot"/>
+      </p:par>
+    </p:tnLst>
+  </p:timing>
 </p:sldLayout>
 </file>
 
@@ -4173,9 +4206,10 @@
           <a:lstStyle/>
           <a:p>
             <a:r>
-              <a:rPr lang="ru-RU"/>
-              <a:t>19.09.2018</a:t>
-            </a:r>
+              <a:rPr lang="ru-RU" smtClean="0"/>
+              <a:t>16.09.2019</a:t>
+            </a:r>
+            <a:endParaRPr lang="ru-RU"/>
           </a:p>
         </p:txBody>
       </p:sp>
@@ -4195,8 +4229,8 @@
           <a:lstStyle/>
           <a:p>
             <a:r>
-              <a:rPr lang="en-US"/>
-              <a:t>MIPT-MIPS 2018</a:t>
+              <a:rPr lang="en-US" smtClean="0"/>
+              <a:t>MIPT-V 2019</a:t>
             </a:r>
             <a:endParaRPr lang="ru-RU"/>
           </a:p>
@@ -4476,9 +4510,10 @@
           <a:lstStyle/>
           <a:p>
             <a:r>
-              <a:rPr lang="ru-RU"/>
-              <a:t>19.09.2018</a:t>
-            </a:r>
+              <a:rPr lang="ru-RU" smtClean="0"/>
+              <a:t>16.09.2019</a:t>
+            </a:r>
+            <a:endParaRPr lang="ru-RU"/>
           </a:p>
         </p:txBody>
       </p:sp>
@@ -4498,8 +4533,8 @@
           <a:lstStyle/>
           <a:p>
             <a:r>
-              <a:rPr lang="en-US"/>
-              <a:t>MIPT-MIPS 2018</a:t>
+              <a:rPr lang="en-US" smtClean="0"/>
+              <a:t>MIPT-V 2019</a:t>
             </a:r>
             <a:endParaRPr lang="ru-RU"/>
           </a:p>
@@ -4708,9 +4743,10 @@
           <a:lstStyle/>
           <a:p>
             <a:r>
-              <a:rPr lang="ru-RU"/>
-              <a:t>19.09.2018</a:t>
-            </a:r>
+              <a:rPr lang="ru-RU" smtClean="0"/>
+              <a:t>16.09.2019</a:t>
+            </a:r>
+            <a:endParaRPr lang="ru-RU"/>
           </a:p>
         </p:txBody>
       </p:sp>
@@ -4730,8 +4766,8 @@
           <a:lstStyle/>
           <a:p>
             <a:r>
-              <a:rPr lang="en-US"/>
-              <a:t>MIPT-MIPS 2018</a:t>
+              <a:rPr lang="en-US" smtClean="0"/>
+              <a:t>MIPT-V 2019</a:t>
             </a:r>
             <a:endParaRPr lang="ru-RU"/>
           </a:p>
@@ -5170,9 +5206,10 @@
           <a:lstStyle/>
           <a:p>
             <a:r>
-              <a:rPr lang="ru-RU"/>
-              <a:t>19.09.2018</a:t>
-            </a:r>
+              <a:rPr lang="ru-RU" smtClean="0"/>
+              <a:t>16.09.2019</a:t>
+            </a:r>
+            <a:endParaRPr lang="ru-RU"/>
           </a:p>
         </p:txBody>
       </p:sp>
@@ -5192,8 +5229,8 @@
           <a:lstStyle/>
           <a:p>
             <a:r>
-              <a:rPr lang="en-US"/>
-              <a:t>MIPT-MIPS 2018</a:t>
+              <a:rPr lang="en-US" smtClean="0"/>
+              <a:t>MIPT-V 2019</a:t>
             </a:r>
             <a:endParaRPr lang="ru-RU"/>
           </a:p>
@@ -5608,9 +5645,10 @@
           <a:lstStyle/>
           <a:p>
             <a:r>
-              <a:rPr lang="ru-RU"/>
-              <a:t>19.09.2018</a:t>
-            </a:r>
+              <a:rPr lang="ru-RU" smtClean="0"/>
+              <a:t>16.09.2019</a:t>
+            </a:r>
+            <a:endParaRPr lang="ru-RU"/>
           </a:p>
         </p:txBody>
       </p:sp>
@@ -5630,8 +5668,8 @@
           <a:lstStyle/>
           <a:p>
             <a:r>
-              <a:rPr lang="en-US"/>
-              <a:t>MIPT-MIPS 2018</a:t>
+              <a:rPr lang="en-US" smtClean="0"/>
+              <a:t>MIPT-V 2019</a:t>
             </a:r>
             <a:endParaRPr lang="ru-RU"/>
           </a:p>
@@ -6006,9 +6044,10 @@
           </a:lstStyle>
           <a:p>
             <a:r>
-              <a:rPr lang="ru-RU"/>
-              <a:t>19.09.2018</a:t>
-            </a:r>
+              <a:rPr lang="ru-RU" smtClean="0"/>
+              <a:t>16.09.2019</a:t>
+            </a:r>
+            <a:endParaRPr lang="ru-RU" dirty="0"/>
           </a:p>
         </p:txBody>
       </p:sp>
@@ -6046,8 +6085,8 @@
           </a:lstStyle>
           <a:p>
             <a:r>
-              <a:rPr lang="en-US"/>
-              <a:t>MIPT-MIPS 2018</a:t>
+              <a:rPr lang="en-US" dirty="0" smtClean="0"/>
+              <a:t>MIPT-V 2019</a:t>
             </a:r>
             <a:endParaRPr lang="ru-RU" dirty="0"/>
           </a:p>
@@ -6238,6 +6277,13 @@
     <p:sldLayoutId id="2147483661" r:id="rId12"/>
     <p:sldLayoutId id="2147483662" r:id="rId13"/>
   </p:sldLayoutIdLst>
+  <p:timing>
+    <p:tnLst>
+      <p:par>
+        <p:cTn id="1" dur="indefinite" restart="never" nodeType="tmRoot"/>
+      </p:par>
+    </p:tnLst>
+  </p:timing>
   <p:hf hdr="0"/>
   <p:txStyles>
     <p:titleStyle>
@@ -6666,6 +6712,13 @@
   <p:clrMapOvr>
     <a:masterClrMapping/>
   </p:clrMapOvr>
+  <p:timing>
+    <p:tnLst>
+      <p:par>
+        <p:cTn id="1" dur="indefinite" restart="never" nodeType="tmRoot"/>
+      </p:par>
+    </p:tnLst>
+  </p:timing>
 </p:sld>
 </file>
 
@@ -6761,9 +6814,10 @@
           <a:lstStyle/>
           <a:p>
             <a:r>
-              <a:rPr lang="ru-RU"/>
-              <a:t>19.09.2018</a:t>
-            </a:r>
+              <a:rPr lang="ru-RU" smtClean="0"/>
+              <a:t>16.09.2019</a:t>
+            </a:r>
+            <a:endParaRPr lang="ru-RU"/>
           </a:p>
         </p:txBody>
       </p:sp>
@@ -6783,8 +6837,8 @@
           <a:lstStyle/>
           <a:p>
             <a:r>
-              <a:rPr lang="en-US"/>
-              <a:t>MIPT-MIPS 2018</a:t>
+              <a:rPr lang="en-US" smtClean="0"/>
+              <a:t>MIPT-V 2019</a:t>
             </a:r>
             <a:endParaRPr lang="ru-RU"/>
           </a:p>
@@ -7942,9 +7996,10 @@
           <a:lstStyle/>
           <a:p>
             <a:r>
-              <a:rPr lang="ru-RU"/>
-              <a:t>19.09.2018</a:t>
-            </a:r>
+              <a:rPr lang="ru-RU" smtClean="0"/>
+              <a:t>16.09.2019</a:t>
+            </a:r>
+            <a:endParaRPr lang="ru-RU"/>
           </a:p>
         </p:txBody>
       </p:sp>
@@ -7964,8 +8019,8 @@
           <a:lstStyle/>
           <a:p>
             <a:r>
-              <a:rPr lang="en-US"/>
-              <a:t>MIPT-MIPS 2018</a:t>
+              <a:rPr lang="en-US" smtClean="0"/>
+              <a:t>MIPT-V 2019</a:t>
             </a:r>
             <a:endParaRPr lang="ru-RU"/>
           </a:p>
@@ -9011,9 +9066,10 @@
           <a:lstStyle/>
           <a:p>
             <a:r>
-              <a:rPr lang="ru-RU"/>
-              <a:t>19.09.2018</a:t>
-            </a:r>
+              <a:rPr lang="ru-RU" smtClean="0"/>
+              <a:t>16.09.2019</a:t>
+            </a:r>
+            <a:endParaRPr lang="ru-RU"/>
           </a:p>
         </p:txBody>
       </p:sp>
@@ -9033,8 +9089,8 @@
           <a:lstStyle/>
           <a:p>
             <a:r>
-              <a:rPr lang="en-US"/>
-              <a:t>MIPT-MIPS 2018</a:t>
+              <a:rPr lang="en-US" smtClean="0"/>
+              <a:t>MIPT-V 2019</a:t>
             </a:r>
             <a:endParaRPr lang="ru-RU"/>
           </a:p>
@@ -11721,9 +11777,10 @@
           <a:lstStyle/>
           <a:p>
             <a:r>
-              <a:rPr lang="ru-RU"/>
-              <a:t>19.09.2018</a:t>
-            </a:r>
+              <a:rPr lang="ru-RU" smtClean="0"/>
+              <a:t>16.09.2019</a:t>
+            </a:r>
+            <a:endParaRPr lang="ru-RU"/>
           </a:p>
         </p:txBody>
       </p:sp>
@@ -11743,8 +11800,8 @@
           <a:lstStyle/>
           <a:p>
             <a:r>
-              <a:rPr lang="en-US"/>
-              <a:t>MIPT-MIPS 2018</a:t>
+              <a:rPr lang="en-US" smtClean="0"/>
+              <a:t>MIPT-V 2019</a:t>
             </a:r>
             <a:endParaRPr lang="ru-RU"/>
           </a:p>
@@ -12988,9 +13045,10 @@
           <a:lstStyle/>
           <a:p>
             <a:r>
-              <a:rPr lang="ru-RU"/>
-              <a:t>19.09.2018</a:t>
-            </a:r>
+              <a:rPr lang="ru-RU" smtClean="0"/>
+              <a:t>16.09.2019</a:t>
+            </a:r>
+            <a:endParaRPr lang="ru-RU"/>
           </a:p>
         </p:txBody>
       </p:sp>
@@ -13010,8 +13068,8 @@
           <a:lstStyle/>
           <a:p>
             <a:r>
-              <a:rPr lang="en-US"/>
-              <a:t>MIPT-MIPS 2018</a:t>
+              <a:rPr lang="en-US" smtClean="0"/>
+              <a:t>MIPT-V 2019</a:t>
             </a:r>
             <a:endParaRPr lang="ru-RU"/>
           </a:p>
@@ -13972,9 +14030,10 @@
           <a:lstStyle/>
           <a:p>
             <a:r>
-              <a:rPr lang="ru-RU"/>
-              <a:t>19.09.2018</a:t>
-            </a:r>
+              <a:rPr lang="ru-RU" smtClean="0"/>
+              <a:t>16.09.2019</a:t>
+            </a:r>
+            <a:endParaRPr lang="ru-RU"/>
           </a:p>
         </p:txBody>
       </p:sp>
@@ -13994,8 +14053,8 @@
           <a:lstStyle/>
           <a:p>
             <a:r>
-              <a:rPr lang="en-US"/>
-              <a:t>MIPT-MIPS 2018</a:t>
+              <a:rPr lang="en-US" smtClean="0"/>
+              <a:t>MIPT-V 2019</a:t>
             </a:r>
             <a:endParaRPr lang="ru-RU"/>
           </a:p>
@@ -15480,9 +15539,10 @@
           <a:lstStyle/>
           <a:p>
             <a:r>
-              <a:rPr lang="ru-RU"/>
-              <a:t>19.09.2018</a:t>
-            </a:r>
+              <a:rPr lang="ru-RU" smtClean="0"/>
+              <a:t>16.09.2019</a:t>
+            </a:r>
+            <a:endParaRPr lang="ru-RU"/>
           </a:p>
         </p:txBody>
       </p:sp>
@@ -15502,8 +15562,8 @@
           <a:lstStyle/>
           <a:p>
             <a:r>
-              <a:rPr lang="en-US"/>
-              <a:t>MIPT-MIPS 2018</a:t>
+              <a:rPr lang="en-US" smtClean="0"/>
+              <a:t>MIPT-V 2019</a:t>
             </a:r>
             <a:endParaRPr lang="ru-RU"/>
           </a:p>
@@ -16457,9 +16517,10 @@
           <a:lstStyle/>
           <a:p>
             <a:r>
-              <a:rPr lang="ru-RU"/>
-              <a:t>19.09.2018</a:t>
-            </a:r>
+              <a:rPr lang="ru-RU" smtClean="0"/>
+              <a:t>16.09.2019</a:t>
+            </a:r>
+            <a:endParaRPr lang="ru-RU"/>
           </a:p>
         </p:txBody>
       </p:sp>
@@ -16479,8 +16540,8 @@
           <a:lstStyle/>
           <a:p>
             <a:r>
-              <a:rPr lang="en-US"/>
-              <a:t>MIPT-MIPS 2018</a:t>
+              <a:rPr lang="en-US" smtClean="0"/>
+              <a:t>MIPT-V 2019</a:t>
             </a:r>
             <a:endParaRPr lang="ru-RU"/>
           </a:p>
@@ -17387,9 +17448,10 @@
           <a:lstStyle/>
           <a:p>
             <a:r>
-              <a:rPr lang="ru-RU"/>
-              <a:t>19.09.2018</a:t>
-            </a:r>
+              <a:rPr lang="ru-RU" smtClean="0"/>
+              <a:t>16.09.2019</a:t>
+            </a:r>
+            <a:endParaRPr lang="ru-RU"/>
           </a:p>
         </p:txBody>
       </p:sp>
@@ -17409,8 +17471,8 @@
           <a:lstStyle/>
           <a:p>
             <a:r>
-              <a:rPr lang="en-US"/>
-              <a:t>MIPT-MIPS 2018</a:t>
+              <a:rPr lang="en-US" smtClean="0"/>
+              <a:t>MIPT-V 2019</a:t>
             </a:r>
             <a:endParaRPr lang="ru-RU"/>
           </a:p>
@@ -18940,9 +19002,10 @@
           <a:lstStyle/>
           <a:p>
             <a:r>
-              <a:rPr lang="ru-RU"/>
-              <a:t>19.09.2018</a:t>
-            </a:r>
+              <a:rPr lang="ru-RU" smtClean="0"/>
+              <a:t>16.09.2019</a:t>
+            </a:r>
+            <a:endParaRPr lang="ru-RU"/>
           </a:p>
         </p:txBody>
       </p:sp>
@@ -18962,8 +19025,8 @@
           <a:lstStyle/>
           <a:p>
             <a:r>
-              <a:rPr lang="en-US"/>
-              <a:t>MIPT-MIPS 2018</a:t>
+              <a:rPr lang="en-US" smtClean="0"/>
+              <a:t>MIPT-V 2019</a:t>
             </a:r>
             <a:endParaRPr lang="ru-RU"/>
           </a:p>
@@ -19890,9 +19953,10 @@
           <a:lstStyle/>
           <a:p>
             <a:r>
-              <a:rPr lang="ru-RU"/>
-              <a:t>19.09.2018</a:t>
-            </a:r>
+              <a:rPr lang="ru-RU" smtClean="0"/>
+              <a:t>16.09.2019</a:t>
+            </a:r>
+            <a:endParaRPr lang="ru-RU"/>
           </a:p>
         </p:txBody>
       </p:sp>
@@ -19912,8 +19976,8 @@
           <a:lstStyle/>
           <a:p>
             <a:r>
-              <a:rPr lang="en-US"/>
-              <a:t>MIPT-MIPS 2018</a:t>
+              <a:rPr lang="en-US" smtClean="0"/>
+              <a:t>MIPT-V 2019</a:t>
             </a:r>
             <a:endParaRPr lang="ru-RU"/>
           </a:p>
@@ -20695,9 +20759,10 @@
           <a:lstStyle/>
           <a:p>
             <a:r>
-              <a:rPr lang="ru-RU"/>
-              <a:t>19.09.2018</a:t>
-            </a:r>
+              <a:rPr lang="ru-RU" smtClean="0"/>
+              <a:t>16.09.2019</a:t>
+            </a:r>
+            <a:endParaRPr lang="ru-RU"/>
           </a:p>
         </p:txBody>
       </p:sp>
@@ -20717,8 +20782,8 @@
           <a:lstStyle/>
           <a:p>
             <a:r>
-              <a:rPr lang="en-US"/>
-              <a:t>MIPT-MIPS 2018</a:t>
+              <a:rPr lang="en-US" smtClean="0"/>
+              <a:t>MIPT-V 2019</a:t>
             </a:r>
             <a:endParaRPr lang="ru-RU"/>
           </a:p>
@@ -21855,9 +21920,10 @@
           <a:lstStyle/>
           <a:p>
             <a:r>
-              <a:rPr lang="ru-RU"/>
-              <a:t>19.09.2018</a:t>
-            </a:r>
+              <a:rPr lang="ru-RU" smtClean="0"/>
+              <a:t>16.09.2019</a:t>
+            </a:r>
+            <a:endParaRPr lang="ru-RU"/>
           </a:p>
         </p:txBody>
       </p:sp>
@@ -21877,8 +21943,8 @@
           <a:lstStyle/>
           <a:p>
             <a:r>
-              <a:rPr lang="en-US"/>
-              <a:t>MIPT-MIPS 2018</a:t>
+              <a:rPr lang="en-US" smtClean="0"/>
+              <a:t>MIPT-V 2019</a:t>
             </a:r>
             <a:endParaRPr lang="ru-RU"/>
           </a:p>
@@ -22674,9 +22740,10 @@
           <a:lstStyle/>
           <a:p>
             <a:r>
-              <a:rPr lang="ru-RU"/>
-              <a:t>19.09.2018</a:t>
-            </a:r>
+              <a:rPr lang="ru-RU" smtClean="0"/>
+              <a:t>16.09.2019</a:t>
+            </a:r>
+            <a:endParaRPr lang="ru-RU"/>
           </a:p>
         </p:txBody>
       </p:sp>
@@ -22696,8 +22763,8 @@
           <a:lstStyle/>
           <a:p>
             <a:r>
-              <a:rPr lang="en-US"/>
-              <a:t>MIPT-MIPS 2018</a:t>
+              <a:rPr lang="en-US" smtClean="0"/>
+              <a:t>MIPT-V 2019</a:t>
             </a:r>
             <a:endParaRPr lang="ru-RU"/>
           </a:p>
@@ -23362,9 +23429,10 @@
           <a:lstStyle/>
           <a:p>
             <a:r>
-              <a:rPr lang="ru-RU"/>
-              <a:t>19.09.2018</a:t>
-            </a:r>
+              <a:rPr lang="ru-RU" smtClean="0"/>
+              <a:t>16.09.2019</a:t>
+            </a:r>
+            <a:endParaRPr lang="ru-RU"/>
           </a:p>
         </p:txBody>
       </p:sp>
@@ -23384,8 +23452,8 @@
           <a:lstStyle/>
           <a:p>
             <a:r>
-              <a:rPr lang="en-US"/>
-              <a:t>MIPT-MIPS 2018</a:t>
+              <a:rPr lang="en-US" smtClean="0"/>
+              <a:t>MIPT-V 2019</a:t>
             </a:r>
             <a:endParaRPr lang="ru-RU"/>
           </a:p>
@@ -23573,9 +23641,10 @@
           <a:lstStyle/>
           <a:p>
             <a:r>
-              <a:rPr lang="ru-RU"/>
-              <a:t>19.09.2018</a:t>
-            </a:r>
+              <a:rPr lang="ru-RU" smtClean="0"/>
+              <a:t>16.09.2019</a:t>
+            </a:r>
+            <a:endParaRPr lang="ru-RU"/>
           </a:p>
         </p:txBody>
       </p:sp>
@@ -23595,8 +23664,8 @@
           <a:lstStyle/>
           <a:p>
             <a:r>
-              <a:rPr lang="en-US"/>
-              <a:t>MIPT-MIPS 2018</a:t>
+              <a:rPr lang="en-US" smtClean="0"/>
+              <a:t>MIPT-V 2019</a:t>
             </a:r>
             <a:endParaRPr lang="ru-RU"/>
           </a:p>
@@ -24552,9 +24621,10 @@
           <a:lstStyle/>
           <a:p>
             <a:r>
-              <a:rPr lang="ru-RU"/>
-              <a:t>19.09.2018</a:t>
-            </a:r>
+              <a:rPr lang="ru-RU" smtClean="0"/>
+              <a:t>16.09.2019</a:t>
+            </a:r>
+            <a:endParaRPr lang="ru-RU"/>
           </a:p>
         </p:txBody>
       </p:sp>
@@ -24574,8 +24644,8 @@
           <a:lstStyle/>
           <a:p>
             <a:r>
-              <a:rPr lang="en-US"/>
-              <a:t>MIPT-MIPS 2018</a:t>
+              <a:rPr lang="en-US" smtClean="0"/>
+              <a:t>MIPT-V 2019</a:t>
             </a:r>
             <a:endParaRPr lang="ru-RU"/>
           </a:p>
@@ -29276,9 +29346,10 @@
           <a:lstStyle/>
           <a:p>
             <a:r>
-              <a:rPr lang="ru-RU"/>
-              <a:t>19.09.2018</a:t>
-            </a:r>
+              <a:rPr lang="ru-RU" smtClean="0"/>
+              <a:t>16.09.2019</a:t>
+            </a:r>
+            <a:endParaRPr lang="ru-RU"/>
           </a:p>
         </p:txBody>
       </p:sp>
@@ -29298,8 +29369,8 @@
           <a:lstStyle/>
           <a:p>
             <a:r>
-              <a:rPr lang="en-US"/>
-              <a:t>MIPT-MIPS 2018</a:t>
+              <a:rPr lang="en-US" smtClean="0"/>
+              <a:t>MIPT-V 2019</a:t>
             </a:r>
             <a:endParaRPr lang="ru-RU"/>
           </a:p>
@@ -30751,9 +30822,10 @@
           <a:lstStyle/>
           <a:p>
             <a:r>
-              <a:rPr lang="ru-RU"/>
-              <a:t>19.09.2018</a:t>
-            </a:r>
+              <a:rPr lang="ru-RU" smtClean="0"/>
+              <a:t>16.09.2019</a:t>
+            </a:r>
+            <a:endParaRPr lang="ru-RU"/>
           </a:p>
         </p:txBody>
       </p:sp>
@@ -30773,8 +30845,8 @@
           <a:lstStyle/>
           <a:p>
             <a:r>
-              <a:rPr lang="en-US"/>
-              <a:t>MIPT-MIPS 2018</a:t>
+              <a:rPr lang="en-US" smtClean="0"/>
+              <a:t>MIPT-V 2019</a:t>
             </a:r>
             <a:endParaRPr lang="ru-RU"/>
           </a:p>
@@ -35204,9 +35276,10 @@
           <a:lstStyle/>
           <a:p>
             <a:r>
-              <a:rPr lang="ru-RU"/>
-              <a:t>19.09.2018</a:t>
-            </a:r>
+              <a:rPr lang="ru-RU" smtClean="0"/>
+              <a:t>16.09.2019</a:t>
+            </a:r>
+            <a:endParaRPr lang="ru-RU"/>
           </a:p>
         </p:txBody>
       </p:sp>
@@ -35226,8 +35299,8 @@
           <a:lstStyle/>
           <a:p>
             <a:r>
-              <a:rPr lang="en-US"/>
-              <a:t>MIPT-MIPS 2018</a:t>
+              <a:rPr lang="en-US" smtClean="0"/>
+              <a:t>MIPT-V 2019</a:t>
             </a:r>
             <a:endParaRPr lang="ru-RU"/>
           </a:p>
@@ -36546,9 +36619,10 @@
           <a:lstStyle/>
           <a:p>
             <a:r>
-              <a:rPr lang="ru-RU"/>
-              <a:t>19.09.2018</a:t>
-            </a:r>
+              <a:rPr lang="ru-RU" smtClean="0"/>
+              <a:t>16.09.2019</a:t>
+            </a:r>
+            <a:endParaRPr lang="ru-RU"/>
           </a:p>
         </p:txBody>
       </p:sp>
@@ -36568,8 +36642,8 @@
           <a:lstStyle/>
           <a:p>
             <a:r>
-              <a:rPr lang="en-US"/>
-              <a:t>MIPT-MIPS 2018</a:t>
+              <a:rPr lang="en-US" smtClean="0"/>
+              <a:t>MIPT-V 2019</a:t>
             </a:r>
             <a:endParaRPr lang="ru-RU"/>
           </a:p>
@@ -37266,9 +37340,10 @@
           <a:lstStyle/>
           <a:p>
             <a:r>
-              <a:rPr lang="ru-RU"/>
-              <a:t>19.09.2018</a:t>
-            </a:r>
+              <a:rPr lang="ru-RU" smtClean="0"/>
+              <a:t>16.09.2019</a:t>
+            </a:r>
+            <a:endParaRPr lang="ru-RU"/>
           </a:p>
         </p:txBody>
       </p:sp>
@@ -37288,8 +37363,8 @@
           <a:lstStyle/>
           <a:p>
             <a:r>
-              <a:rPr lang="en-US"/>
-              <a:t>MIPT-MIPS 2018</a:t>
+              <a:rPr lang="en-US" smtClean="0"/>
+              <a:t>MIPT-V 2019</a:t>
             </a:r>
             <a:endParaRPr lang="ru-RU"/>
           </a:p>
@@ -38147,9 +38222,10 @@
           <a:lstStyle/>
           <a:p>
             <a:r>
-              <a:rPr lang="ru-RU"/>
-              <a:t>19.09.2018</a:t>
-            </a:r>
+              <a:rPr lang="ru-RU" smtClean="0"/>
+              <a:t>16.09.2019</a:t>
+            </a:r>
+            <a:endParaRPr lang="ru-RU"/>
           </a:p>
         </p:txBody>
       </p:sp>
@@ -38169,8 +38245,8 @@
           <a:lstStyle/>
           <a:p>
             <a:r>
-              <a:rPr lang="en-US"/>
-              <a:t>MIPT-MIPS 2018</a:t>
+              <a:rPr lang="en-US" smtClean="0"/>
+              <a:t>MIPT-V 2019</a:t>
             </a:r>
             <a:endParaRPr lang="ru-RU"/>
           </a:p>
@@ -38705,9 +38781,10 @@
           <a:lstStyle/>
           <a:p>
             <a:r>
-              <a:rPr lang="ru-RU"/>
-              <a:t>19.09.2018</a:t>
-            </a:r>
+              <a:rPr lang="ru-RU" smtClean="0"/>
+              <a:t>16.09.2019</a:t>
+            </a:r>
+            <a:endParaRPr lang="ru-RU"/>
           </a:p>
         </p:txBody>
       </p:sp>
@@ -38727,8 +38804,8 @@
           <a:lstStyle/>
           <a:p>
             <a:r>
-              <a:rPr lang="en-US"/>
-              <a:t>MIPT-MIPS 2018</a:t>
+              <a:rPr lang="en-US" smtClean="0"/>
+              <a:t>MIPT-V 2019</a:t>
             </a:r>
             <a:endParaRPr lang="ru-RU"/>
           </a:p>
@@ -38767,6 +38844,13 @@
   <p:clrMapOvr>
     <a:masterClrMapping/>
   </p:clrMapOvr>
+  <p:timing>
+    <p:tnLst>
+      <p:par>
+        <p:cTn id="1" dur="indefinite" restart="never" nodeType="tmRoot"/>
+      </p:par>
+    </p:tnLst>
+  </p:timing>
   <p:extLst mod="1"/>
 </p:sld>
 </file>
@@ -38879,9 +38963,10 @@
           <a:lstStyle/>
           <a:p>
             <a:r>
-              <a:rPr lang="ru-RU"/>
-              <a:t>19.09.2018</a:t>
-            </a:r>
+              <a:rPr lang="ru-RU" smtClean="0"/>
+              <a:t>16.09.2019</a:t>
+            </a:r>
+            <a:endParaRPr lang="ru-RU"/>
           </a:p>
         </p:txBody>
       </p:sp>
@@ -38901,8 +38986,8 @@
           <a:lstStyle/>
           <a:p>
             <a:r>
-              <a:rPr lang="en-US"/>
-              <a:t>MIPT-MIPS 2018</a:t>
+              <a:rPr lang="en-US" smtClean="0"/>
+              <a:t>MIPT-V 2019</a:t>
             </a:r>
             <a:endParaRPr lang="ru-RU"/>
           </a:p>
@@ -38941,6 +39026,13 @@
   <p:clrMapOvr>
     <a:masterClrMapping/>
   </p:clrMapOvr>
+  <p:timing>
+    <p:tnLst>
+      <p:par>
+        <p:cTn id="1" dur="indefinite" restart="never" nodeType="tmRoot"/>
+      </p:par>
+    </p:tnLst>
+  </p:timing>
 </p:sld>
 </file>
 
@@ -39036,6 +39128,13 @@
   <p:transition>
     <p:fade/>
   </p:transition>
+  <p:timing>
+    <p:tnLst>
+      <p:par>
+        <p:cTn id="1" dur="indefinite" restart="never" nodeType="tmRoot"/>
+      </p:par>
+    </p:tnLst>
+  </p:timing>
 </p:sld>
 </file>
 
@@ -39139,9 +39238,10 @@
           <a:lstStyle/>
           <a:p>
             <a:r>
-              <a:rPr lang="ru-RU"/>
-              <a:t>19.09.2018</a:t>
-            </a:r>
+              <a:rPr lang="ru-RU" smtClean="0"/>
+              <a:t>16.09.2019</a:t>
+            </a:r>
+            <a:endParaRPr lang="ru-RU"/>
           </a:p>
         </p:txBody>
       </p:sp>
@@ -39161,8 +39261,8 @@
           <a:lstStyle/>
           <a:p>
             <a:r>
-              <a:rPr lang="en-US"/>
-              <a:t>MIPT-MIPS 2018</a:t>
+              <a:rPr lang="en-US" smtClean="0"/>
+              <a:t>MIPT-V 2019</a:t>
             </a:r>
             <a:endParaRPr lang="ru-RU"/>
           </a:p>
@@ -40403,9 +40503,10 @@
           <a:lstStyle/>
           <a:p>
             <a:r>
-              <a:rPr lang="ru-RU"/>
-              <a:t>19.09.2018</a:t>
-            </a:r>
+              <a:rPr lang="ru-RU" smtClean="0"/>
+              <a:t>16.09.2019</a:t>
+            </a:r>
+            <a:endParaRPr lang="ru-RU"/>
           </a:p>
         </p:txBody>
       </p:sp>
@@ -40425,8 +40526,8 @@
           <a:lstStyle/>
           <a:p>
             <a:r>
-              <a:rPr lang="en-US"/>
-              <a:t>MIPT-MIPS 2018</a:t>
+              <a:rPr lang="en-US" smtClean="0"/>
+              <a:t>MIPT-V 2019</a:t>
             </a:r>
             <a:endParaRPr lang="ru-RU"/>
           </a:p>
@@ -41577,9 +41678,10 @@
           <a:lstStyle/>
           <a:p>
             <a:r>
-              <a:rPr lang="ru-RU"/>
-              <a:t>19.09.2018</a:t>
-            </a:r>
+              <a:rPr lang="ru-RU" smtClean="0"/>
+              <a:t>16.09.2019</a:t>
+            </a:r>
+            <a:endParaRPr lang="ru-RU"/>
           </a:p>
         </p:txBody>
       </p:sp>
@@ -41599,8 +41701,8 @@
           <a:lstStyle/>
           <a:p>
             <a:r>
-              <a:rPr lang="en-US"/>
-              <a:t>MIPT-MIPS 2018</a:t>
+              <a:rPr lang="en-US" smtClean="0"/>
+              <a:t>MIPT-V 2019</a:t>
             </a:r>
             <a:endParaRPr lang="ru-RU"/>
           </a:p>
@@ -42758,9 +42860,10 @@
           <a:lstStyle/>
           <a:p>
             <a:r>
-              <a:rPr lang="ru-RU"/>
-              <a:t>19.09.2018</a:t>
-            </a:r>
+              <a:rPr lang="ru-RU" smtClean="0"/>
+              <a:t>16.09.2019</a:t>
+            </a:r>
+            <a:endParaRPr lang="ru-RU"/>
           </a:p>
         </p:txBody>
       </p:sp>
@@ -42780,8 +42883,8 @@
           <a:lstStyle/>
           <a:p>
             <a:r>
-              <a:rPr lang="en-US"/>
-              <a:t>MIPT-MIPS 2018</a:t>
+              <a:rPr lang="en-US" smtClean="0"/>
+              <a:t>MIPT-V 2019</a:t>
             </a:r>
             <a:endParaRPr lang="ru-RU"/>
           </a:p>
@@ -43942,9 +44045,10 @@
           <a:lstStyle/>
           <a:p>
             <a:r>
-              <a:rPr lang="ru-RU"/>
-              <a:t>19.09.2018</a:t>
-            </a:r>
+              <a:rPr lang="ru-RU" smtClean="0"/>
+              <a:t>16.09.2019</a:t>
+            </a:r>
+            <a:endParaRPr lang="ru-RU"/>
           </a:p>
         </p:txBody>
       </p:sp>
@@ -43964,8 +44068,8 @@
           <a:lstStyle/>
           <a:p>
             <a:r>
-              <a:rPr lang="en-US"/>
-              <a:t>MIPT-MIPS 2018</a:t>
+              <a:rPr lang="en-US" smtClean="0"/>
+              <a:t>MIPT-V 2019</a:t>
             </a:r>
             <a:endParaRPr lang="ru-RU"/>
           </a:p>
@@ -45145,9 +45249,10 @@
           <a:lstStyle/>
           <a:p>
             <a:r>
-              <a:rPr lang="ru-RU"/>
-              <a:t>19.09.2018</a:t>
-            </a:r>
+              <a:rPr lang="ru-RU" smtClean="0"/>
+              <a:t>16.09.2019</a:t>
+            </a:r>
+            <a:endParaRPr lang="ru-RU"/>
           </a:p>
         </p:txBody>
       </p:sp>
@@ -45167,8 +45272,8 @@
           <a:lstStyle/>
           <a:p>
             <a:r>
-              <a:rPr lang="en-US"/>
-              <a:t>MIPT-MIPS 2018</a:t>
+              <a:rPr lang="en-US" smtClean="0"/>
+              <a:t>MIPT-V 2019</a:t>
             </a:r>
             <a:endParaRPr lang="ru-RU"/>
           </a:p>
